--- a/week4/Week4_Overview.pptx
+++ b/week4/Week4_Overview.pptx
@@ -8,13 +8,13 @@
     <p:sldId id="256" r:id="rId2"/>
     <p:sldId id="257" r:id="rId3"/>
     <p:sldId id="258" r:id="rId4"/>
-    <p:sldId id="259" r:id="rId5"/>
-    <p:sldId id="260" r:id="rId6"/>
-    <p:sldId id="261" r:id="rId7"/>
-    <p:sldId id="262" r:id="rId8"/>
-    <p:sldId id="263" r:id="rId9"/>
-    <p:sldId id="264" r:id="rId10"/>
-    <p:sldId id="265" r:id="rId11"/>
+    <p:sldId id="265" r:id="rId5"/>
+    <p:sldId id="259" r:id="rId6"/>
+    <p:sldId id="260" r:id="rId7"/>
+    <p:sldId id="261" r:id="rId8"/>
+    <p:sldId id="262" r:id="rId9"/>
+    <p:sldId id="263" r:id="rId10"/>
+    <p:sldId id="264" r:id="rId11"/>
     <p:sldId id="266" r:id="rId12"/>
     <p:sldId id="267" r:id="rId13"/>
     <p:sldId id="268" r:id="rId14"/>
@@ -124,6 +124,11 @@
       </a:defRPr>
     </a:lvl9pPr>
   </p:defaultTextStyle>
+  <p:extLst>
+    <p:ext uri="{EFAFB233-063F-42B5-8137-9DF3F51BA10A}">
+      <p15:sldGuideLst xmlns:p15="http://schemas.microsoft.com/office/powerpoint/2012/main"/>
+    </p:ext>
+  </p:extLst>
 </p:presentation>
 </file>
 
@@ -274,7 +279,7 @@
           <a:p>
             <a:fld id="{B9188AEA-B591-DA43-9434-564949C6A987}" type="datetimeFigureOut">
               <a:rPr lang="en-US" smtClean="0"/>
-              <a:t>2/2/26</a:t>
+              <a:t>2/3/26</a:t>
             </a:fld>
             <a:endParaRPr lang="en-US"/>
           </a:p>
@@ -472,7 +477,7 @@
           <a:p>
             <a:fld id="{B9188AEA-B591-DA43-9434-564949C6A987}" type="datetimeFigureOut">
               <a:rPr lang="en-US" smtClean="0"/>
-              <a:t>2/2/26</a:t>
+              <a:t>2/3/26</a:t>
             </a:fld>
             <a:endParaRPr lang="en-US"/>
           </a:p>
@@ -680,7 +685,7 @@
           <a:p>
             <a:fld id="{B9188AEA-B591-DA43-9434-564949C6A987}" type="datetimeFigureOut">
               <a:rPr lang="en-US" smtClean="0"/>
-              <a:t>2/2/26</a:t>
+              <a:t>2/3/26</a:t>
             </a:fld>
             <a:endParaRPr lang="en-US"/>
           </a:p>
@@ -878,7 +883,7 @@
           <a:p>
             <a:fld id="{B9188AEA-B591-DA43-9434-564949C6A987}" type="datetimeFigureOut">
               <a:rPr lang="en-US" smtClean="0"/>
-              <a:t>2/2/26</a:t>
+              <a:t>2/3/26</a:t>
             </a:fld>
             <a:endParaRPr lang="en-US"/>
           </a:p>
@@ -1153,7 +1158,7 @@
           <a:p>
             <a:fld id="{B9188AEA-B591-DA43-9434-564949C6A987}" type="datetimeFigureOut">
               <a:rPr lang="en-US" smtClean="0"/>
-              <a:t>2/2/26</a:t>
+              <a:t>2/3/26</a:t>
             </a:fld>
             <a:endParaRPr lang="en-US"/>
           </a:p>
@@ -1418,7 +1423,7 @@
           <a:p>
             <a:fld id="{B9188AEA-B591-DA43-9434-564949C6A987}" type="datetimeFigureOut">
               <a:rPr lang="en-US" smtClean="0"/>
-              <a:t>2/2/26</a:t>
+              <a:t>2/3/26</a:t>
             </a:fld>
             <a:endParaRPr lang="en-US"/>
           </a:p>
@@ -1830,7 +1835,7 @@
           <a:p>
             <a:fld id="{B9188AEA-B591-DA43-9434-564949C6A987}" type="datetimeFigureOut">
               <a:rPr lang="en-US" smtClean="0"/>
-              <a:t>2/2/26</a:t>
+              <a:t>2/3/26</a:t>
             </a:fld>
             <a:endParaRPr lang="en-US"/>
           </a:p>
@@ -1971,7 +1976,7 @@
           <a:p>
             <a:fld id="{B9188AEA-B591-DA43-9434-564949C6A987}" type="datetimeFigureOut">
               <a:rPr lang="en-US" smtClean="0"/>
-              <a:t>2/2/26</a:t>
+              <a:t>2/3/26</a:t>
             </a:fld>
             <a:endParaRPr lang="en-US"/>
           </a:p>
@@ -2084,7 +2089,7 @@
           <a:p>
             <a:fld id="{B9188AEA-B591-DA43-9434-564949C6A987}" type="datetimeFigureOut">
               <a:rPr lang="en-US" smtClean="0"/>
-              <a:t>2/2/26</a:t>
+              <a:t>2/3/26</a:t>
             </a:fld>
             <a:endParaRPr lang="en-US"/>
           </a:p>
@@ -2395,7 +2400,7 @@
           <a:p>
             <a:fld id="{B9188AEA-B591-DA43-9434-564949C6A987}" type="datetimeFigureOut">
               <a:rPr lang="en-US" smtClean="0"/>
-              <a:t>2/2/26</a:t>
+              <a:t>2/3/26</a:t>
             </a:fld>
             <a:endParaRPr lang="en-US"/>
           </a:p>
@@ -2683,7 +2688,7 @@
           <a:p>
             <a:fld id="{B9188AEA-B591-DA43-9434-564949C6A987}" type="datetimeFigureOut">
               <a:rPr lang="en-US" smtClean="0"/>
-              <a:t>2/2/26</a:t>
+              <a:t>2/3/26</a:t>
             </a:fld>
             <a:endParaRPr lang="en-US"/>
           </a:p>
@@ -2924,7 +2929,7 @@
           <a:p>
             <a:fld id="{B9188AEA-B591-DA43-9434-564949C6A987}" type="datetimeFigureOut">
               <a:rPr lang="en-US" smtClean="0"/>
-              <a:t>2/2/26</a:t>
+              <a:t>2/3/26</a:t>
             </a:fld>
             <a:endParaRPr lang="en-US"/>
           </a:p>
@@ -3432,7 +3437,7 @@
           <p:cNvPr id="2" name="Title 1">
             <a:extLst>
               <a:ext uri="{FF2B5EF4-FFF2-40B4-BE49-F238E27FC236}">
-                <a16:creationId xmlns:a16="http://schemas.microsoft.com/office/drawing/2014/main" id="{DDB07701-C3C5-5B8B-BEA8-0F59AB58F2E0}"/>
+                <a16:creationId xmlns:a16="http://schemas.microsoft.com/office/drawing/2014/main" id="{ABF63BBC-2159-6295-EF60-069E187A9BA6}"/>
               </a:ext>
             </a:extLst>
           </p:cNvPr>
@@ -3449,8 +3454,12 @@
           <a:lstStyle/>
           <a:p>
             <a:r>
+              <a:rPr lang="en-US" b="1" dirty="0" err="1"/>
+              <a:t>ObsPy</a:t>
+            </a:r>
+            <a:r>
               <a:rPr lang="en-US" b="1" dirty="0"/>
-              <a:t>Signal processing that matters</a:t>
+              <a:t>: the seismic data pipeline backbone</a:t>
             </a:r>
             <a:endParaRPr lang="en-US" dirty="0"/>
           </a:p>
@@ -3461,7 +3470,7 @@
           <p:cNvPr id="3" name="Content Placeholder 2">
             <a:extLst>
               <a:ext uri="{FF2B5EF4-FFF2-40B4-BE49-F238E27FC236}">
-                <a16:creationId xmlns:a16="http://schemas.microsoft.com/office/drawing/2014/main" id="{A66B66AC-EC86-6479-30E7-191D7CD2F30C}"/>
+                <a16:creationId xmlns:a16="http://schemas.microsoft.com/office/drawing/2014/main" id="{4ABF54A5-328C-6D84-7251-E5F06BCBEA54}"/>
               </a:ext>
             </a:extLst>
           </p:cNvPr>
@@ -3479,25 +3488,25 @@
           <a:p>
             <a:r>
               <a:rPr lang="en-US" dirty="0"/>
-              <a:t>Convolution &amp; correlation</a:t>
-            </a:r>
-          </a:p>
-          <a:p>
-            <a:r>
-              <a:rPr lang="en-US" dirty="0"/>
-              <a:t>Time vs frequency domain (DFT)</a:t>
-            </a:r>
-          </a:p>
-          <a:p>
-            <a:r>
-              <a:rPr lang="en-US" dirty="0"/>
-              <a:t>Filters, poles &amp; zeros</a:t>
-            </a:r>
-          </a:p>
-          <a:p>
-            <a:r>
-              <a:rPr lang="en-US" dirty="0"/>
-              <a:t>Instrument response and when/why it must be removed</a:t>
+              <a:t>Reading and visualizing waveform data</a:t>
+            </a:r>
+          </a:p>
+          <a:p>
+            <a:r>
+              <a:rPr lang="en-US" dirty="0"/>
+              <a:t>Working with event catalogs</a:t>
+            </a:r>
+          </a:p>
+          <a:p>
+            <a:r>
+              <a:rPr lang="en-US" dirty="0"/>
+              <a:t>Working with station metadata</a:t>
+            </a:r>
+          </a:p>
+          <a:p>
+            <a:r>
+              <a:rPr lang="en-US" dirty="0"/>
+              <a:t>Building intuition for how seismic data are structured</a:t>
             </a:r>
           </a:p>
         </p:txBody>
@@ -3505,7 +3514,7 @@
     </p:spTree>
     <p:extLst>
       <p:ext uri="{BB962C8B-B14F-4D97-AF65-F5344CB8AC3E}">
-        <p14:creationId xmlns:p14="http://schemas.microsoft.com/office/powerpoint/2010/main" val="3888854467"/>
+        <p14:creationId xmlns:p14="http://schemas.microsoft.com/office/powerpoint/2010/main" val="3402786336"/>
       </p:ext>
     </p:extLst>
   </p:cSld>
@@ -3516,7 +3525,7 @@
 </file>
 
 <file path=ppt/slides/slide11.xml><?xml version="1.0" encoding="utf-8"?>
-<p:sld xmlns:a="http://schemas.openxmlformats.org/drawingml/2006/main" xmlns:r="http://schemas.openxmlformats.org/officeDocument/2006/relationships" xmlns:p="http://schemas.openxmlformats.org/presentationml/2006/main">
+<p:sld xmlns:a="http://schemas.openxmlformats.org/drawingml/2006/main" xmlns:r="http://schemas.openxmlformats.org/officeDocument/2006/relationships" xmlns:p="http://schemas.openxmlformats.org/presentationml/2006/main" show="0">
   <p:cSld>
     <p:spTree>
       <p:nvGrpSpPr>
@@ -3604,18 +3613,21 @@
             </a:r>
           </a:p>
           <a:p>
+            <a:pPr lvl="1"/>
             <a:r>
               <a:rPr lang="en-US" dirty="0"/>
               <a:t>detrend, taper, filter</a:t>
             </a:r>
           </a:p>
           <a:p>
+            <a:pPr lvl="1"/>
             <a:r>
               <a:rPr lang="en-US" dirty="0"/>
               <a:t>deconvolve instrument response</a:t>
             </a:r>
           </a:p>
           <a:p>
+            <a:pPr lvl="1"/>
             <a:r>
               <a:rPr lang="en-US" dirty="0"/>
               <a:t>change units (counts → ground motion)</a:t>
@@ -3637,7 +3649,7 @@
 </file>
 
 <file path=ppt/slides/slide12.xml><?xml version="1.0" encoding="utf-8"?>
-<p:sld xmlns:a="http://schemas.openxmlformats.org/drawingml/2006/main" xmlns:r="http://schemas.openxmlformats.org/officeDocument/2006/relationships" xmlns:p="http://schemas.openxmlformats.org/presentationml/2006/main">
+<p:sld xmlns:a="http://schemas.openxmlformats.org/drawingml/2006/main" xmlns:r="http://schemas.openxmlformats.org/officeDocument/2006/relationships" xmlns:p="http://schemas.openxmlformats.org/presentationml/2006/main" show="0">
   <p:cSld>
     <p:spTree>
       <p:nvGrpSpPr>
@@ -6078,7 +6090,7 @@
           <p:cNvPr id="2" name="Title 1">
             <a:extLst>
               <a:ext uri="{FF2B5EF4-FFF2-40B4-BE49-F238E27FC236}">
-                <a16:creationId xmlns:a16="http://schemas.microsoft.com/office/drawing/2014/main" id="{D405952B-F05B-398A-7645-1AAEF5208804}"/>
+                <a16:creationId xmlns:a16="http://schemas.microsoft.com/office/drawing/2014/main" id="{DDB07701-C3C5-5B8B-BEA8-0F59AB58F2E0}"/>
               </a:ext>
             </a:extLst>
           </p:cNvPr>
@@ -6096,7 +6108,7 @@
           <a:p>
             <a:r>
               <a:rPr lang="en-US" b="1" dirty="0"/>
-              <a:t>Python &amp; DSP Foundations</a:t>
+              <a:t>DSP Foundations</a:t>
             </a:r>
             <a:endParaRPr lang="en-US" dirty="0"/>
           </a:p>
@@ -6107,7 +6119,7 @@
           <p:cNvPr id="3" name="Content Placeholder 2">
             <a:extLst>
               <a:ext uri="{FF2B5EF4-FFF2-40B4-BE49-F238E27FC236}">
-                <a16:creationId xmlns:a16="http://schemas.microsoft.com/office/drawing/2014/main" id="{90A34149-B3EC-485B-D61D-072F20884868}"/>
+                <a16:creationId xmlns:a16="http://schemas.microsoft.com/office/drawing/2014/main" id="{A66B66AC-EC86-6479-30E7-191D7CD2F30C}"/>
               </a:ext>
             </a:extLst>
           </p:cNvPr>
@@ -6120,59 +6132,89 @@
         </p:nvSpPr>
         <p:spPr/>
         <p:txBody>
-          <a:bodyPr/>
-          <a:lstStyle/>
-          <a:p>
-            <a:r>
-              <a:rPr lang="en-US" dirty="0"/>
-              <a:t>Python knowledge check (diagnostic, not graded)</a:t>
-            </a:r>
-          </a:p>
-          <a:p>
-            <a:r>
-              <a:rPr lang="en-US" dirty="0"/>
-              <a:t>Python crash course (core syntax)</a:t>
-            </a:r>
-          </a:p>
-          <a:p>
-            <a:r>
-              <a:rPr lang="en-US" dirty="0"/>
-              <a:t>Intro to Digital Signal Processing:</a:t>
-            </a:r>
-          </a:p>
-          <a:p>
-            <a:pPr lvl="1"/>
-            <a:r>
-              <a:rPr lang="en-US" dirty="0"/>
-              <a:t>convolution</a:t>
-            </a:r>
-          </a:p>
-          <a:p>
-            <a:pPr lvl="1"/>
-            <a:r>
-              <a:rPr lang="en-US" dirty="0"/>
-              <a:t>impulse response</a:t>
-            </a:r>
-          </a:p>
-          <a:p>
-            <a:pPr lvl="1"/>
-            <a:r>
-              <a:rPr lang="en-US" dirty="0"/>
-              <a:t>why filtering smears arrivals</a:t>
-            </a:r>
-          </a:p>
-          <a:p>
-            <a:r>
-              <a:rPr lang="en-US" dirty="0"/>
-              <a:t>First steps toward seismic processing workflows</a:t>
-            </a:r>
+          <a:bodyPr>
+            <a:normAutofit fontScale="92500" lnSpcReduction="20000"/>
+          </a:bodyPr>
+          <a:lstStyle/>
+          <a:p>
+            <a:r>
+              <a:rPr lang="en-US" dirty="0">
+                <a:solidFill>
+                  <a:srgbClr val="0070C0"/>
+                </a:solidFill>
+              </a:rPr>
+              <a:t>(ADC: Sampling, Aliasing, and Quantization)</a:t>
+            </a:r>
+          </a:p>
+          <a:p>
+            <a:r>
+              <a:rPr lang="en-US" dirty="0"/>
+              <a:t>Interpolation</a:t>
+            </a:r>
+          </a:p>
+          <a:p>
+            <a:r>
+              <a:rPr lang="en-US" dirty="0"/>
+              <a:t>Detrending</a:t>
+            </a:r>
+          </a:p>
+          <a:p>
+            <a:r>
+              <a:rPr lang="en-US" dirty="0"/>
+              <a:t>Convolution</a:t>
+            </a:r>
+          </a:p>
+          <a:p>
+            <a:r>
+              <a:rPr lang="en-US" dirty="0"/>
+              <a:t>Discrete Time Fourier Transform (time -&gt; frequency domain)</a:t>
+            </a:r>
+          </a:p>
+          <a:p>
+            <a:r>
+              <a:rPr lang="en-US" dirty="0"/>
+              <a:t>Tapering</a:t>
+            </a:r>
+          </a:p>
+          <a:p>
+            <a:r>
+              <a:rPr lang="en-US" dirty="0"/>
+              <a:t>Filtering</a:t>
+            </a:r>
+          </a:p>
+          <a:p>
+            <a:r>
+              <a:rPr lang="en-US" dirty="0"/>
+              <a:t>Deconvolution (e.g. remove instrument response)</a:t>
+            </a:r>
+          </a:p>
+          <a:p>
+            <a:r>
+              <a:rPr lang="en-US" dirty="0"/>
+              <a:t>Cross-correlation (and auto-correlation)</a:t>
+            </a:r>
+          </a:p>
+          <a:p>
+            <a:r>
+              <a:rPr lang="en-US" dirty="0" err="1"/>
+              <a:t>Downsampling</a:t>
+            </a:r>
+            <a:r>
+              <a:rPr lang="en-US" dirty="0"/>
+              <a:t> &amp; </a:t>
+            </a:r>
+            <a:r>
+              <a:rPr lang="en-US" dirty="0" err="1"/>
+              <a:t>upsampling</a:t>
+            </a:r>
+            <a:endParaRPr lang="en-US" dirty="0"/>
           </a:p>
         </p:txBody>
       </p:sp>
     </p:spTree>
     <p:extLst>
       <p:ext uri="{BB962C8B-B14F-4D97-AF65-F5344CB8AC3E}">
-        <p14:creationId xmlns:p14="http://schemas.microsoft.com/office/powerpoint/2010/main" val="38405645"/>
+        <p14:creationId xmlns:p14="http://schemas.microsoft.com/office/powerpoint/2010/main" val="3888854467"/>
       </p:ext>
     </p:extLst>
   </p:cSld>
@@ -6204,6 +6246,127 @@
           <p:cNvPr id="2" name="Title 1">
             <a:extLst>
               <a:ext uri="{FF2B5EF4-FFF2-40B4-BE49-F238E27FC236}">
+                <a16:creationId xmlns:a16="http://schemas.microsoft.com/office/drawing/2014/main" id="{D405952B-F05B-398A-7645-1AAEF5208804}"/>
+              </a:ext>
+            </a:extLst>
+          </p:cNvPr>
+          <p:cNvSpPr>
+            <a:spLocks noGrp="1"/>
+          </p:cNvSpPr>
+          <p:nvPr>
+            <p:ph type="title"/>
+          </p:nvPr>
+        </p:nvSpPr>
+        <p:spPr/>
+        <p:txBody>
+          <a:bodyPr/>
+          <a:lstStyle/>
+          <a:p>
+            <a:r>
+              <a:rPr lang="en-US" b="1" dirty="0"/>
+              <a:t>Python Foundations</a:t>
+            </a:r>
+            <a:endParaRPr lang="en-US" dirty="0"/>
+          </a:p>
+        </p:txBody>
+      </p:sp>
+      <p:sp>
+        <p:nvSpPr>
+          <p:cNvPr id="3" name="Content Placeholder 2">
+            <a:extLst>
+              <a:ext uri="{FF2B5EF4-FFF2-40B4-BE49-F238E27FC236}">
+                <a16:creationId xmlns:a16="http://schemas.microsoft.com/office/drawing/2014/main" id="{90A34149-B3EC-485B-D61D-072F20884868}"/>
+              </a:ext>
+            </a:extLst>
+          </p:cNvPr>
+          <p:cNvSpPr>
+            <a:spLocks noGrp="1"/>
+          </p:cNvSpPr>
+          <p:nvPr>
+            <p:ph idx="1"/>
+          </p:nvPr>
+        </p:nvSpPr>
+        <p:spPr/>
+        <p:txBody>
+          <a:bodyPr/>
+          <a:lstStyle/>
+          <a:p>
+            <a:r>
+              <a:rPr lang="en-US" dirty="0"/>
+              <a:t>Python knowledge check (diagnostic, not graded)</a:t>
+            </a:r>
+          </a:p>
+          <a:p>
+            <a:r>
+              <a:rPr lang="en-US" dirty="0"/>
+              <a:t>Python crash course (core syntax)</a:t>
+            </a:r>
+          </a:p>
+          <a:p>
+            <a:pPr lvl="1"/>
+            <a:r>
+              <a:rPr lang="en-US" dirty="0"/>
+              <a:t>Data types (scalar and containers)</a:t>
+            </a:r>
+          </a:p>
+          <a:p>
+            <a:pPr lvl="1"/>
+            <a:r>
+              <a:rPr lang="en-US" dirty="0"/>
+              <a:t>Loops</a:t>
+            </a:r>
+          </a:p>
+          <a:p>
+            <a:pPr lvl="1"/>
+            <a:r>
+              <a:rPr lang="en-US" dirty="0"/>
+              <a:t>Conditionals</a:t>
+            </a:r>
+          </a:p>
+          <a:p>
+            <a:pPr lvl="1"/>
+            <a:r>
+              <a:rPr lang="en-US" dirty="0"/>
+              <a:t>Functions</a:t>
+            </a:r>
+          </a:p>
+        </p:txBody>
+      </p:sp>
+    </p:spTree>
+    <p:extLst>
+      <p:ext uri="{BB962C8B-B14F-4D97-AF65-F5344CB8AC3E}">
+        <p14:creationId xmlns:p14="http://schemas.microsoft.com/office/powerpoint/2010/main" val="38405645"/>
+      </p:ext>
+    </p:extLst>
+  </p:cSld>
+  <p:clrMapOvr>
+    <a:masterClrMapping/>
+  </p:clrMapOvr>
+</p:sld>
+</file>
+
+<file path=ppt/slides/slide6.xml><?xml version="1.0" encoding="utf-8"?>
+<p:sld xmlns:a="http://schemas.openxmlformats.org/drawingml/2006/main" xmlns:r="http://schemas.openxmlformats.org/officeDocument/2006/relationships" xmlns:p="http://schemas.openxmlformats.org/presentationml/2006/main">
+  <p:cSld>
+    <p:spTree>
+      <p:nvGrpSpPr>
+        <p:cNvPr id="1" name=""/>
+        <p:cNvGrpSpPr/>
+        <p:nvPr/>
+      </p:nvGrpSpPr>
+      <p:grpSpPr>
+        <a:xfrm>
+          <a:off x="0" y="0"/>
+          <a:ext cx="0" cy="0"/>
+          <a:chOff x="0" y="0"/>
+          <a:chExt cx="0" cy="0"/>
+        </a:xfrm>
+      </p:grpSpPr>
+      <p:sp>
+        <p:nvSpPr>
+          <p:cNvPr id="2" name="Title 1">
+            <a:extLst>
+              <a:ext uri="{FF2B5EF4-FFF2-40B4-BE49-F238E27FC236}">
                 <a16:creationId xmlns:a16="http://schemas.microsoft.com/office/drawing/2014/main" id="{95D3E146-A5B3-8D44-4DE1-3CC1AB86199A}"/>
               </a:ext>
             </a:extLst>
@@ -6279,7 +6442,7 @@
 </p:sld>
 </file>
 
-<file path=ppt/slides/slide6.xml><?xml version="1.0" encoding="utf-8"?>
+<file path=ppt/slides/slide7.xml><?xml version="1.0" encoding="utf-8"?>
 <p:sld xmlns:a="http://schemas.openxmlformats.org/drawingml/2006/main" xmlns:r="http://schemas.openxmlformats.org/officeDocument/2006/relationships" xmlns:p="http://schemas.openxmlformats.org/presentationml/2006/main">
   <p:cSld>
     <p:spTree>
@@ -6362,117 +6525,6 @@
     <p:extLst>
       <p:ext uri="{BB962C8B-B14F-4D97-AF65-F5344CB8AC3E}">
         <p14:creationId xmlns:p14="http://schemas.microsoft.com/office/powerpoint/2010/main" val="4276764457"/>
-      </p:ext>
-    </p:extLst>
-  </p:cSld>
-  <p:clrMapOvr>
-    <a:masterClrMapping/>
-  </p:clrMapOvr>
-</p:sld>
-</file>
-
-<file path=ppt/slides/slide7.xml><?xml version="1.0" encoding="utf-8"?>
-<p:sld xmlns:a="http://schemas.openxmlformats.org/drawingml/2006/main" xmlns:r="http://schemas.openxmlformats.org/officeDocument/2006/relationships" xmlns:p="http://schemas.openxmlformats.org/presentationml/2006/main">
-  <p:cSld>
-    <p:spTree>
-      <p:nvGrpSpPr>
-        <p:cNvPr id="1" name=""/>
-        <p:cNvGrpSpPr/>
-        <p:nvPr/>
-      </p:nvGrpSpPr>
-      <p:grpSpPr>
-        <a:xfrm>
-          <a:off x="0" y="0"/>
-          <a:ext cx="0" cy="0"/>
-          <a:chOff x="0" y="0"/>
-          <a:chExt cx="0" cy="0"/>
-        </a:xfrm>
-      </p:grpSpPr>
-      <p:sp>
-        <p:nvSpPr>
-          <p:cNvPr id="2" name="Title 1">
-            <a:extLst>
-              <a:ext uri="{FF2B5EF4-FFF2-40B4-BE49-F238E27FC236}">
-                <a16:creationId xmlns:a16="http://schemas.microsoft.com/office/drawing/2014/main" id="{241CCCDE-DC4B-BF3E-F902-D26E88CC0AF6}"/>
-              </a:ext>
-            </a:extLst>
-          </p:cNvPr>
-          <p:cNvSpPr>
-            <a:spLocks noGrp="1"/>
-          </p:cNvSpPr>
-          <p:nvPr>
-            <p:ph type="title"/>
-          </p:nvPr>
-        </p:nvSpPr>
-        <p:spPr/>
-        <p:txBody>
-          <a:bodyPr/>
-          <a:lstStyle/>
-          <a:p>
-            <a:r>
-              <a:rPr lang="en-US" dirty="0"/>
-              <a:t>Shift to interactive classes</a:t>
-            </a:r>
-          </a:p>
-        </p:txBody>
-      </p:sp>
-      <p:sp>
-        <p:nvSpPr>
-          <p:cNvPr id="3" name="Content Placeholder 2">
-            <a:extLst>
-              <a:ext uri="{FF2B5EF4-FFF2-40B4-BE49-F238E27FC236}">
-                <a16:creationId xmlns:a16="http://schemas.microsoft.com/office/drawing/2014/main" id="{E48B9803-AFD4-2BE1-2E7E-31B1287A20BA}"/>
-              </a:ext>
-            </a:extLst>
-          </p:cNvPr>
-          <p:cNvSpPr>
-            <a:spLocks noGrp="1"/>
-          </p:cNvSpPr>
-          <p:nvPr>
-            <p:ph idx="1"/>
-          </p:nvPr>
-        </p:nvSpPr>
-        <p:spPr/>
-        <p:txBody>
-          <a:bodyPr/>
-          <a:lstStyle/>
-          <a:p>
-            <a:r>
-              <a:rPr lang="en-US" dirty="0"/>
-              <a:t>From </a:t>
-            </a:r>
-            <a:r>
-              <a:rPr lang="en-US" i="1" dirty="0"/>
-              <a:t>watching &amp; listening</a:t>
-            </a:r>
-            <a:r>
-              <a:rPr lang="en-US" dirty="0"/>
-              <a:t> → </a:t>
-            </a:r>
-            <a:r>
-              <a:rPr lang="en-US" b="1" dirty="0"/>
-              <a:t>doing</a:t>
-            </a:r>
-            <a:endParaRPr lang="en-US" dirty="0"/>
-          </a:p>
-          <a:p>
-            <a:r>
-              <a:rPr lang="en-US" dirty="0"/>
-              <a:t>Students working in class on their own laptops</a:t>
-            </a:r>
-          </a:p>
-          <a:p>
-            <a:r>
-              <a:rPr lang="en-US" dirty="0"/>
-              <a:t>Real tools, real data, reproducible workflows</a:t>
-            </a:r>
-          </a:p>
-        </p:txBody>
-      </p:sp>
-    </p:spTree>
-    <p:extLst>
-      <p:ext uri="{BB962C8B-B14F-4D97-AF65-F5344CB8AC3E}">
-        <p14:creationId xmlns:p14="http://schemas.microsoft.com/office/powerpoint/2010/main" val="3623417912"/>
       </p:ext>
     </p:extLst>
   </p:cSld>
@@ -6504,7 +6556,7 @@
           <p:cNvPr id="2" name="Title 1">
             <a:extLst>
               <a:ext uri="{FF2B5EF4-FFF2-40B4-BE49-F238E27FC236}">
-                <a16:creationId xmlns:a16="http://schemas.microsoft.com/office/drawing/2014/main" id="{9EE9F872-8563-F303-2E79-AF2E9EC0ECC2}"/>
+                <a16:creationId xmlns:a16="http://schemas.microsoft.com/office/drawing/2014/main" id="{241CCCDE-DC4B-BF3E-F902-D26E88CC0AF6}"/>
               </a:ext>
             </a:extLst>
           </p:cNvPr>
@@ -6517,91 +6569,65 @@
         </p:nvSpPr>
         <p:spPr/>
         <p:txBody>
-          <a:bodyPr>
-            <a:normAutofit/>
-          </a:bodyPr>
-          <a:lstStyle/>
-          <a:p>
+          <a:bodyPr/>
+          <a:lstStyle/>
+          <a:p>
+            <a:r>
+              <a:rPr lang="en-US" dirty="0"/>
+              <a:t>Shift to interactive classes</a:t>
+            </a:r>
+          </a:p>
+        </p:txBody>
+      </p:sp>
+      <p:sp>
+        <p:nvSpPr>
+          <p:cNvPr id="3" name="Content Placeholder 2">
+            <a:extLst>
+              <a:ext uri="{FF2B5EF4-FFF2-40B4-BE49-F238E27FC236}">
+                <a16:creationId xmlns:a16="http://schemas.microsoft.com/office/drawing/2014/main" id="{E48B9803-AFD4-2BE1-2E7E-31B1287A20BA}"/>
+              </a:ext>
+            </a:extLst>
+          </p:cNvPr>
+          <p:cNvSpPr>
+            <a:spLocks noGrp="1"/>
+          </p:cNvSpPr>
+          <p:nvPr>
+            <p:ph idx="1"/>
+          </p:nvPr>
+        </p:nvSpPr>
+        <p:spPr/>
+        <p:txBody>
+          <a:bodyPr/>
+          <a:lstStyle/>
+          <a:p>
+            <a:r>
+              <a:rPr lang="en-US" dirty="0"/>
+              <a:t>From </a:t>
+            </a:r>
+            <a:r>
+              <a:rPr lang="en-US" i="1" dirty="0"/>
+              <a:t>watching &amp; listening</a:t>
+            </a:r>
+            <a:r>
+              <a:rPr lang="en-US" dirty="0"/>
+              <a:t> → </a:t>
+            </a:r>
             <a:r>
               <a:rPr lang="en-US" b="1" dirty="0"/>
-              <a:t>Computational tools (used every week from now on)</a:t>
+              <a:t>doing</a:t>
             </a:r>
             <a:endParaRPr lang="en-US" dirty="0"/>
           </a:p>
-        </p:txBody>
-      </p:sp>
-      <p:sp>
-        <p:nvSpPr>
-          <p:cNvPr id="3" name="Content Placeholder 2">
-            <a:extLst>
-              <a:ext uri="{FF2B5EF4-FFF2-40B4-BE49-F238E27FC236}">
-                <a16:creationId xmlns:a16="http://schemas.microsoft.com/office/drawing/2014/main" id="{3F70C304-DE70-6FD5-BC00-C729E42F4911}"/>
-              </a:ext>
-            </a:extLst>
-          </p:cNvPr>
-          <p:cNvSpPr>
-            <a:spLocks noGrp="1"/>
-          </p:cNvSpPr>
-          <p:nvPr>
-            <p:ph idx="1"/>
-          </p:nvPr>
-        </p:nvSpPr>
-        <p:spPr/>
-        <p:txBody>
-          <a:bodyPr/>
-          <a:lstStyle/>
-          <a:p>
-            <a:r>
-              <a:rPr lang="en-US" b="1" dirty="0" err="1"/>
-              <a:t>Miniconda</a:t>
-            </a:r>
-            <a:r>
-              <a:rPr lang="en-US" dirty="0"/>
-              <a:t> – managing scientific Python environments</a:t>
-            </a:r>
-          </a:p>
-          <a:p>
-            <a:r>
-              <a:rPr lang="en-US" b="1" dirty="0"/>
-              <a:t>VS Code</a:t>
-            </a:r>
-            <a:r>
-              <a:rPr lang="en-US" dirty="0"/>
-              <a:t> – notebooks, scripts, debugging</a:t>
-            </a:r>
-          </a:p>
-          <a:p>
-            <a:r>
-              <a:rPr lang="en-US" b="1" dirty="0"/>
-              <a:t>GitHub Desktop</a:t>
-            </a:r>
-            <a:r>
-              <a:rPr lang="en-US" dirty="0"/>
-              <a:t> – version control &amp; reproducibility</a:t>
-            </a:r>
-          </a:p>
-          <a:p>
-            <a:r>
-              <a:rPr lang="en-US" b="1" dirty="0"/>
-              <a:t>NumPy, Matplotlib, Pandas</a:t>
-            </a:r>
-            <a:r>
-              <a:rPr lang="en-US" dirty="0"/>
-              <a:t> – numerical analysis, plotting, data handling</a:t>
-            </a:r>
-          </a:p>
-          <a:p>
-            <a:r>
-              <a:rPr lang="en-US" b="1" dirty="0" err="1"/>
-              <a:t>ObsPy</a:t>
-            </a:r>
-            <a:r>
-              <a:rPr lang="en-US" b="1" dirty="0"/>
-              <a:t> </a:t>
-            </a:r>
-            <a:r>
-              <a:rPr lang="en-US" dirty="0"/>
-              <a:t>…</a:t>
+          <a:p>
+            <a:r>
+              <a:rPr lang="en-US" dirty="0"/>
+              <a:t>Work on your own laptops</a:t>
+            </a:r>
+          </a:p>
+          <a:p>
+            <a:r>
+              <a:rPr lang="en-US" dirty="0"/>
+              <a:t>Real tools, real data, reproducible workflows</a:t>
             </a:r>
           </a:p>
         </p:txBody>
@@ -6609,7 +6635,7 @@
     </p:spTree>
     <p:extLst>
       <p:ext uri="{BB962C8B-B14F-4D97-AF65-F5344CB8AC3E}">
-        <p14:creationId xmlns:p14="http://schemas.microsoft.com/office/powerpoint/2010/main" val="2413089915"/>
+        <p14:creationId xmlns:p14="http://schemas.microsoft.com/office/powerpoint/2010/main" val="3623417912"/>
       </p:ext>
     </p:extLst>
   </p:cSld>
@@ -6641,7 +6667,7 @@
           <p:cNvPr id="2" name="Title 1">
             <a:extLst>
               <a:ext uri="{FF2B5EF4-FFF2-40B4-BE49-F238E27FC236}">
-                <a16:creationId xmlns:a16="http://schemas.microsoft.com/office/drawing/2014/main" id="{ABF63BBC-2159-6295-EF60-069E187A9BA6}"/>
+                <a16:creationId xmlns:a16="http://schemas.microsoft.com/office/drawing/2014/main" id="{9EE9F872-8563-F303-2E79-AF2E9EC0ECC2}"/>
               </a:ext>
             </a:extLst>
           </p:cNvPr>
@@ -6654,8 +6680,79 @@
         </p:nvSpPr>
         <p:spPr/>
         <p:txBody>
-          <a:bodyPr/>
-          <a:lstStyle/>
+          <a:bodyPr>
+            <a:normAutofit/>
+          </a:bodyPr>
+          <a:lstStyle/>
+          <a:p>
+            <a:r>
+              <a:rPr lang="en-US" b="1" dirty="0"/>
+              <a:t>Computational tools (used every week from now on)</a:t>
+            </a:r>
+            <a:endParaRPr lang="en-US" dirty="0"/>
+          </a:p>
+        </p:txBody>
+      </p:sp>
+      <p:sp>
+        <p:nvSpPr>
+          <p:cNvPr id="3" name="Content Placeholder 2">
+            <a:extLst>
+              <a:ext uri="{FF2B5EF4-FFF2-40B4-BE49-F238E27FC236}">
+                <a16:creationId xmlns:a16="http://schemas.microsoft.com/office/drawing/2014/main" id="{3F70C304-DE70-6FD5-BC00-C729E42F4911}"/>
+              </a:ext>
+            </a:extLst>
+          </p:cNvPr>
+          <p:cNvSpPr>
+            <a:spLocks noGrp="1"/>
+          </p:cNvSpPr>
+          <p:nvPr>
+            <p:ph idx="1"/>
+          </p:nvPr>
+        </p:nvSpPr>
+        <p:spPr/>
+        <p:txBody>
+          <a:bodyPr/>
+          <a:lstStyle/>
+          <a:p>
+            <a:r>
+              <a:rPr lang="en-US" b="1" dirty="0" err="1"/>
+              <a:t>Miniconda</a:t>
+            </a:r>
+            <a:r>
+              <a:rPr lang="en-US" dirty="0"/>
+              <a:t> – managing scientific Python environments</a:t>
+            </a:r>
+          </a:p>
+          <a:p>
+            <a:r>
+              <a:rPr lang="en-US" b="1" dirty="0"/>
+              <a:t>VS Code</a:t>
+            </a:r>
+            <a:r>
+              <a:rPr lang="en-US" dirty="0"/>
+              <a:t> – notebooks, scripts, debugging</a:t>
+            </a:r>
+          </a:p>
+          <a:p>
+            <a:r>
+              <a:rPr lang="en-US" b="1" dirty="0"/>
+              <a:t>GitHub Desktop</a:t>
+            </a:r>
+            <a:r>
+              <a:rPr lang="en-US" dirty="0"/>
+              <a:t> – version control &amp; reproducibility</a:t>
+            </a:r>
+          </a:p>
+          <a:p>
+            <a:r>
+              <a:rPr lang="en-US" b="1" dirty="0"/>
+              <a:t>NumPy, Matplotlib, Pandas</a:t>
+            </a:r>
+            <a:r>
+              <a:rPr lang="en-US" dirty="0"/>
+              <a:t> – numerical analysis, plotting, data handling</a:t>
+            </a:r>
+          </a:p>
           <a:p>
             <a:r>
               <a:rPr lang="en-US" b="1" dirty="0" err="1"/>
@@ -6663,54 +6760,11 @@
             </a:r>
             <a:r>
               <a:rPr lang="en-US" b="1" dirty="0"/>
-              <a:t>: the seismic data pipeline backbone</a:t>
-            </a:r>
-            <a:endParaRPr lang="en-US" dirty="0"/>
-          </a:p>
-        </p:txBody>
-      </p:sp>
-      <p:sp>
-        <p:nvSpPr>
-          <p:cNvPr id="3" name="Content Placeholder 2">
-            <a:extLst>
-              <a:ext uri="{FF2B5EF4-FFF2-40B4-BE49-F238E27FC236}">
-                <a16:creationId xmlns:a16="http://schemas.microsoft.com/office/drawing/2014/main" id="{4ABF54A5-328C-6D84-7251-E5F06BCBEA54}"/>
-              </a:ext>
-            </a:extLst>
-          </p:cNvPr>
-          <p:cNvSpPr>
-            <a:spLocks noGrp="1"/>
-          </p:cNvSpPr>
-          <p:nvPr>
-            <p:ph idx="1"/>
-          </p:nvPr>
-        </p:nvSpPr>
-        <p:spPr/>
-        <p:txBody>
-          <a:bodyPr/>
-          <a:lstStyle/>
-          <a:p>
-            <a:r>
-              <a:rPr lang="en-US" dirty="0"/>
-              <a:t>Reading and visualizing waveform data</a:t>
-            </a:r>
-          </a:p>
-          <a:p>
-            <a:r>
-              <a:rPr lang="en-US" dirty="0"/>
-              <a:t>Understanding Stream and Trace objects</a:t>
-            </a:r>
-          </a:p>
-          <a:p>
-            <a:r>
-              <a:rPr lang="en-US" dirty="0"/>
-              <a:t>Working with metadata (stations, channels, timing)</a:t>
-            </a:r>
-          </a:p>
-          <a:p>
-            <a:r>
-              <a:rPr lang="en-US" dirty="0"/>
-              <a:t>Building intuition for how seismic data are structured</a:t>
+              <a:t> </a:t>
+            </a:r>
+            <a:r>
+              <a:rPr lang="en-US" dirty="0"/>
+              <a:t>…</a:t>
             </a:r>
           </a:p>
         </p:txBody>
@@ -6718,7 +6772,7 @@
     </p:spTree>
     <p:extLst>
       <p:ext uri="{BB962C8B-B14F-4D97-AF65-F5344CB8AC3E}">
-        <p14:creationId xmlns:p14="http://schemas.microsoft.com/office/powerpoint/2010/main" val="3402786336"/>
+        <p14:creationId xmlns:p14="http://schemas.microsoft.com/office/powerpoint/2010/main" val="2413089915"/>
       </p:ext>
     </p:extLst>
   </p:cSld>
